--- a/lesson15.pptx
+++ b/lesson15.pptx
@@ -5,7 +5,7 @@
     <p:sldMasterId id="2147483648" r:id="rId1"/>
   </p:sldMasterIdLst>
   <p:notesMasterIdLst>
-    <p:notesMasterId r:id="rId26"/>
+    <p:notesMasterId r:id="rId24"/>
   </p:notesMasterIdLst>
   <p:sldIdLst>
     <p:sldId id="448" r:id="rId2"/>
@@ -30,8 +30,6 @@
     <p:sldId id="455" r:id="rId21"/>
     <p:sldId id="430" r:id="rId22"/>
     <p:sldId id="431" r:id="rId23"/>
-    <p:sldId id="768" r:id="rId24"/>
-    <p:sldId id="769" r:id="rId25"/>
   </p:sldIdLst>
   <p:sldSz cx="12192000" cy="6858000"/>
   <p:notesSz cx="6858000" cy="9144000"/>
@@ -153,8 +151,8 @@
 <pc:chgInfo xmlns:a="http://schemas.openxmlformats.org/drawingml/2006/main" xmlns:r="http://schemas.openxmlformats.org/officeDocument/2006/relationships" xmlns:ac="http://schemas.microsoft.com/office/drawing/2013/main/command" xmlns:pc="http://schemas.microsoft.com/office/powerpoint/2013/main/command">
   <pc:docChgLst>
     <pc:chgData name="Anatoliy Kigel" userId="7432c6c4687b0a9c" providerId="LiveId" clId="{9E20285F-44FA-430D-A078-132BF9E61E2F}"/>
-    <pc:docChg chg="modSld">
-      <pc:chgData name="Anatoliy Kigel" userId="7432c6c4687b0a9c" providerId="LiveId" clId="{9E20285F-44FA-430D-A078-132BF9E61E2F}" dt="2021-05-19T06:42:52.489" v="1" actId="207"/>
+    <pc:docChg chg="delSld modSld">
+      <pc:chgData name="Anatoliy Kigel" userId="7432c6c4687b0a9c" providerId="LiveId" clId="{9E20285F-44FA-430D-A078-132BF9E61E2F}" dt="2021-05-19T19:07:15.986" v="46" actId="47"/>
       <pc:docMkLst>
         <pc:docMk/>
       </pc:docMkLst>
@@ -170,6 +168,28 @@
             <pc:docMk/>
             <pc:sldMk cId="1852326527" sldId="431"/>
             <ac:spMk id="10" creationId="{00000000-0000-0000-0000-000000000000}"/>
+          </ac:spMkLst>
+        </pc:spChg>
+      </pc:sldChg>
+      <pc:sldChg chg="del">
+        <pc:chgData name="Anatoliy Kigel" userId="7432c6c4687b0a9c" providerId="LiveId" clId="{9E20285F-44FA-430D-A078-132BF9E61E2F}" dt="2021-05-19T19:07:15.986" v="46" actId="47"/>
+        <pc:sldMkLst>
+          <pc:docMk/>
+          <pc:sldMk cId="3778426884" sldId="768"/>
+        </pc:sldMkLst>
+      </pc:sldChg>
+      <pc:sldChg chg="modSp del mod">
+        <pc:chgData name="Anatoliy Kigel" userId="7432c6c4687b0a9c" providerId="LiveId" clId="{9E20285F-44FA-430D-A078-132BF9E61E2F}" dt="2021-05-19T19:07:15.986" v="46" actId="47"/>
+        <pc:sldMkLst>
+          <pc:docMk/>
+          <pc:sldMk cId="2674160689" sldId="769"/>
+        </pc:sldMkLst>
+        <pc:spChg chg="mod">
+          <ac:chgData name="Anatoliy Kigel" userId="7432c6c4687b0a9c" providerId="LiveId" clId="{9E20285F-44FA-430D-A078-132BF9E61E2F}" dt="2021-05-19T19:06:25.248" v="45" actId="20577"/>
+          <ac:spMkLst>
+            <pc:docMk/>
+            <pc:sldMk cId="2674160689" sldId="769"/>
+            <ac:spMk id="9" creationId="{00000000-0000-0000-0000-000000000000}"/>
           </ac:spMkLst>
         </pc:spChg>
       </pc:sldChg>
@@ -6322,376 +6342,6 @@
     <p:extLst>
       <p:ext uri="{BB962C8B-B14F-4D97-AF65-F5344CB8AC3E}">
         <p14:creationId xmlns:p14="http://schemas.microsoft.com/office/powerpoint/2010/main" val="1852326527"/>
-      </p:ext>
-    </p:extLst>
-  </p:cSld>
-  <p:clrMapOvr>
-    <a:masterClrMapping/>
-  </p:clrMapOvr>
-</p:sld>
-</file>
-
-<file path=ppt/slides/slide23.xml><?xml version="1.0" encoding="utf-8"?>
-<p:sld xmlns:a="http://schemas.openxmlformats.org/drawingml/2006/main" xmlns:r="http://schemas.openxmlformats.org/officeDocument/2006/relationships" xmlns:p="http://schemas.openxmlformats.org/presentationml/2006/main">
-  <p:cSld>
-    <p:spTree>
-      <p:nvGrpSpPr>
-        <p:cNvPr id="1" name=""/>
-        <p:cNvGrpSpPr/>
-        <p:nvPr/>
-      </p:nvGrpSpPr>
-      <p:grpSpPr>
-        <a:xfrm>
-          <a:off x="0" y="0"/>
-          <a:ext cx="0" cy="0"/>
-          <a:chOff x="0" y="0"/>
-          <a:chExt cx="0" cy="0"/>
-        </a:xfrm>
-      </p:grpSpPr>
-      <p:sp>
-        <p:nvSpPr>
-          <p:cNvPr id="5" name="Прямоугольник 4"/>
-          <p:cNvSpPr/>
-          <p:nvPr/>
-        </p:nvSpPr>
-        <p:spPr>
-          <a:xfrm>
-            <a:off x="0" y="0"/>
-            <a:ext cx="12192000" cy="6858000"/>
-          </a:xfrm>
-          <a:prstGeom prst="rect">
-            <a:avLst/>
-          </a:prstGeom>
-          <a:solidFill>
-            <a:schemeClr val="tx2">
-              <a:lumMod val="75000"/>
-            </a:schemeClr>
-          </a:solidFill>
-        </p:spPr>
-        <p:style>
-          <a:lnRef idx="2">
-            <a:schemeClr val="accent1">
-              <a:shade val="50000"/>
-            </a:schemeClr>
-          </a:lnRef>
-          <a:fillRef idx="1">
-            <a:schemeClr val="accent1"/>
-          </a:fillRef>
-          <a:effectRef idx="0">
-            <a:schemeClr val="accent1"/>
-          </a:effectRef>
-          <a:fontRef idx="minor">
-            <a:schemeClr val="lt1"/>
-          </a:fontRef>
-        </p:style>
-        <p:txBody>
-          <a:bodyPr rtlCol="0" anchor="ctr"/>
-          <a:lstStyle/>
-          <a:p>
-            <a:pPr algn="ctr"/>
-            <a:r>
-              <a:rPr lang="ru-RU" sz="6600" b="1" dirty="0"/>
-              <a:t>К следующему </a:t>
-            </a:r>
-          </a:p>
-          <a:p>
-            <a:pPr algn="ctr"/>
-            <a:r>
-              <a:rPr lang="ru-RU" sz="6600" b="1" dirty="0"/>
-              <a:t>занятию…</a:t>
-            </a:r>
-            <a:endParaRPr lang="uk-UA" sz="6600" b="1" dirty="0"/>
-          </a:p>
-        </p:txBody>
-      </p:sp>
-    </p:spTree>
-    <p:extLst>
-      <p:ext uri="{BB962C8B-B14F-4D97-AF65-F5344CB8AC3E}">
-        <p14:creationId xmlns:p14="http://schemas.microsoft.com/office/powerpoint/2010/main" val="3778426884"/>
-      </p:ext>
-    </p:extLst>
-  </p:cSld>
-  <p:clrMapOvr>
-    <a:masterClrMapping/>
-  </p:clrMapOvr>
-</p:sld>
-</file>
-
-<file path=ppt/slides/slide24.xml><?xml version="1.0" encoding="utf-8"?>
-<p:sld xmlns:a="http://schemas.openxmlformats.org/drawingml/2006/main" xmlns:r="http://schemas.openxmlformats.org/officeDocument/2006/relationships" xmlns:p="http://schemas.openxmlformats.org/presentationml/2006/main">
-  <p:cSld>
-    <p:spTree>
-      <p:nvGrpSpPr>
-        <p:cNvPr id="1" name=""/>
-        <p:cNvGrpSpPr/>
-        <p:nvPr/>
-      </p:nvGrpSpPr>
-      <p:grpSpPr>
-        <a:xfrm>
-          <a:off x="0" y="0"/>
-          <a:ext cx="0" cy="0"/>
-          <a:chOff x="0" y="0"/>
-          <a:chExt cx="0" cy="0"/>
-        </a:xfrm>
-      </p:grpSpPr>
-      <p:sp>
-        <p:nvSpPr>
-          <p:cNvPr id="8" name="Номер слайда 36"/>
-          <p:cNvSpPr txBox="1">
-            <a:spLocks/>
-          </p:cNvSpPr>
-          <p:nvPr/>
-        </p:nvSpPr>
-        <p:spPr>
-          <a:xfrm>
-            <a:off x="11352584" y="6237312"/>
-            <a:ext cx="648072" cy="432048"/>
-          </a:xfrm>
-          <a:prstGeom prst="roundRect">
-            <a:avLst/>
-          </a:prstGeom>
-          <a:ln w="25400" cap="flat" cmpd="sng" algn="ctr">
-            <a:solidFill>
-              <a:schemeClr val="tx2">
-                <a:lumMod val="60000"/>
-                <a:lumOff val="40000"/>
-              </a:schemeClr>
-            </a:solidFill>
-            <a:prstDash val="solid"/>
-          </a:ln>
-        </p:spPr>
-        <p:style>
-          <a:lnRef idx="2">
-            <a:schemeClr val="accent1"/>
-          </a:lnRef>
-          <a:fillRef idx="1">
-            <a:schemeClr val="lt1"/>
-          </a:fillRef>
-          <a:effectRef idx="0">
-            <a:schemeClr val="accent1"/>
-          </a:effectRef>
-          <a:fontRef idx="minor">
-            <a:schemeClr val="dk1"/>
-          </a:fontRef>
-        </p:style>
-        <p:txBody>
-          <a:bodyPr vert="horz" lIns="91440" tIns="45720" rIns="91440" bIns="45720" rtlCol="0" anchor="ctr"/>
-          <a:lstStyle/>
-          <a:p>
-            <a:pPr algn="ctr">
-              <a:defRPr/>
-            </a:pPr>
-            <a:fld id="{6389AA22-90B4-448C-8B6B-C699140D38B9}" type="slidenum">
-              <a:rPr lang="uk-UA" sz="2400" b="1">
-                <a:solidFill>
-                  <a:schemeClr val="bg1">
-                    <a:lumMod val="50000"/>
-                  </a:schemeClr>
-                </a:solidFill>
-              </a:rPr>
-              <a:pPr algn="ctr">
-                <a:defRPr/>
-              </a:pPr>
-              <a:t>24</a:t>
-            </a:fld>
-            <a:endParaRPr lang="uk-UA" sz="2400" b="1" dirty="0">
-              <a:solidFill>
-                <a:schemeClr val="bg1">
-                  <a:lumMod val="50000"/>
-                </a:schemeClr>
-              </a:solidFill>
-            </a:endParaRPr>
-          </a:p>
-        </p:txBody>
-      </p:sp>
-      <p:sp>
-        <p:nvSpPr>
-          <p:cNvPr id="9" name="Прямоугольник 8"/>
-          <p:cNvSpPr/>
-          <p:nvPr/>
-        </p:nvSpPr>
-        <p:spPr>
-          <a:xfrm>
-            <a:off x="0" y="332656"/>
-            <a:ext cx="12192000" cy="769441"/>
-          </a:xfrm>
-          <a:prstGeom prst="rect">
-            <a:avLst/>
-          </a:prstGeom>
-        </p:spPr>
-        <p:txBody>
-          <a:bodyPr wrap="square">
-            <a:spAutoFit/>
-          </a:bodyPr>
-          <a:lstStyle/>
-          <a:p>
-            <a:pPr algn="ctr"/>
-            <a:r>
-              <a:rPr lang="ru-RU" sz="4400" b="1" dirty="0"/>
-              <a:t>Проектирование</a:t>
-            </a:r>
-            <a:endParaRPr lang="ru-RU" sz="4400" i="1" dirty="0"/>
-          </a:p>
-        </p:txBody>
-      </p:sp>
-      <p:sp>
-        <p:nvSpPr>
-          <p:cNvPr id="10" name="TextBox 9"/>
-          <p:cNvSpPr txBox="1"/>
-          <p:nvPr/>
-        </p:nvSpPr>
-        <p:spPr>
-          <a:xfrm>
-            <a:off x="7225020" y="2128788"/>
-            <a:ext cx="4199572" cy="2308324"/>
-          </a:xfrm>
-          <a:prstGeom prst="rect">
-            <a:avLst/>
-          </a:prstGeom>
-          <a:noFill/>
-        </p:spPr>
-        <p:txBody>
-          <a:bodyPr wrap="square" rtlCol="0">
-            <a:spAutoFit/>
-          </a:bodyPr>
-          <a:lstStyle/>
-          <a:p>
-            <a:r>
-              <a:rPr lang="ru-RU" sz="2400" b="1" dirty="0">
-                <a:solidFill>
-                  <a:srgbClr val="7030A0"/>
-                </a:solidFill>
-              </a:rPr>
-              <a:t>Предварительные знания – лучший помощник</a:t>
-            </a:r>
-            <a:r>
-              <a:rPr lang="ru-RU" sz="2400" dirty="0"/>
-              <a:t> в обучении, поэтому к следующему занятию жду, что </a:t>
-            </a:r>
-            <a:r>
-              <a:rPr lang="ru-RU" sz="2400" b="1" dirty="0">
-                <a:solidFill>
-                  <a:srgbClr val="00B050"/>
-                </a:solidFill>
-              </a:rPr>
-              <a:t>посмотрите небольшой ролик о макетах (</a:t>
-            </a:r>
-            <a:r>
-              <a:rPr lang="en-US" sz="2400" b="1" dirty="0">
-                <a:solidFill>
-                  <a:srgbClr val="00B050"/>
-                </a:solidFill>
-              </a:rPr>
-              <a:t>Wireframes</a:t>
-            </a:r>
-            <a:r>
-              <a:rPr lang="ru-RU" sz="2400" b="1" dirty="0">
-                <a:solidFill>
-                  <a:srgbClr val="00B050"/>
-                </a:solidFill>
-              </a:rPr>
-              <a:t>).</a:t>
-            </a:r>
-            <a:endParaRPr lang="en-US" sz="2400" b="1" dirty="0">
-              <a:solidFill>
-                <a:schemeClr val="accent6">
-                  <a:lumMod val="75000"/>
-                </a:schemeClr>
-              </a:solidFill>
-            </a:endParaRPr>
-          </a:p>
-        </p:txBody>
-      </p:sp>
-      <p:sp>
-        <p:nvSpPr>
-          <p:cNvPr id="11" name="Прямоугольник 10"/>
-          <p:cNvSpPr/>
-          <p:nvPr/>
-        </p:nvSpPr>
-        <p:spPr>
-          <a:xfrm>
-            <a:off x="-24680" y="5786100"/>
-            <a:ext cx="12192000" cy="523220"/>
-          </a:xfrm>
-          <a:prstGeom prst="rect">
-            <a:avLst/>
-          </a:prstGeom>
-        </p:spPr>
-        <p:txBody>
-          <a:bodyPr wrap="square">
-            <a:spAutoFit/>
-          </a:bodyPr>
-          <a:lstStyle/>
-          <a:p>
-            <a:pPr algn="ctr"/>
-            <a:r>
-              <a:rPr lang="en-US" sz="2800" b="1" dirty="0">
-                <a:hlinkClick r:id="rId2"/>
-              </a:rPr>
-              <a:t>https://youtu.be/z-yZuDXZUw0</a:t>
-            </a:r>
-            <a:endParaRPr lang="uk-UA" sz="2800" b="1" dirty="0"/>
-          </a:p>
-        </p:txBody>
-      </p:sp>
-      <p:pic>
-        <p:nvPicPr>
-          <p:cNvPr id="2" name="Picture 2" descr="https://www.experienceux.co.uk/wp-content/uploads/2015/05/what-is-wireframing.jpg"/>
-          <p:cNvPicPr>
-            <a:picLocks noChangeAspect="1" noChangeArrowheads="1"/>
-          </p:cNvPicPr>
-          <p:nvPr/>
-        </p:nvPicPr>
-        <p:blipFill>
-          <a:blip r:embed="rId3">
-            <a:extLst>
-              <a:ext uri="{28A0092B-C50C-407E-A947-70E740481C1C}">
-                <a14:useLocalDpi xmlns:a14="http://schemas.microsoft.com/office/drawing/2010/main" val="0"/>
-              </a:ext>
-            </a:extLst>
-          </a:blip>
-          <a:srcRect/>
-          <a:stretch>
-            <a:fillRect/>
-          </a:stretch>
-        </p:blipFill>
-        <p:spPr bwMode="auto">
-          <a:xfrm>
-            <a:off x="1343472" y="1842790"/>
-            <a:ext cx="5346303" cy="2880320"/>
-          </a:xfrm>
-          <a:prstGeom prst="rect">
-            <a:avLst/>
-          </a:prstGeom>
-          <a:ln>
-            <a:solidFill>
-              <a:schemeClr val="bg1">
-                <a:lumMod val="75000"/>
-              </a:schemeClr>
-            </a:solidFill>
-          </a:ln>
-          <a:effectLst>
-            <a:outerShdw blurRad="292100" dist="139700" dir="2700000" algn="tl" rotWithShape="0">
-              <a:srgbClr val="333333">
-                <a:alpha val="65000"/>
-              </a:srgbClr>
-            </a:outerShdw>
-          </a:effectLst>
-          <a:extLst>
-            <a:ext uri="{909E8E84-426E-40DD-AFC4-6F175D3DCCD1}">
-              <a14:hiddenFill xmlns:a14="http://schemas.microsoft.com/office/drawing/2010/main">
-                <a:solidFill>
-                  <a:srgbClr val="FFFFFF"/>
-                </a:solidFill>
-              </a14:hiddenFill>
-            </a:ext>
-          </a:extLst>
-        </p:spPr>
-      </p:pic>
-    </p:spTree>
-    <p:extLst>
-      <p:ext uri="{BB962C8B-B14F-4D97-AF65-F5344CB8AC3E}">
-        <p14:creationId xmlns:p14="http://schemas.microsoft.com/office/powerpoint/2010/main" val="2674160689"/>
       </p:ext>
     </p:extLst>
   </p:cSld>
